--- a/Case_Study_Presentation.pptx
+++ b/Case_Study_Presentation.pptx
@@ -4674,13 +4674,13 @@
     </dgm:pt>
   </dgm:ptLst>
   <dgm:cxnLst>
+    <dgm:cxn modelId="{CB779D4E-8EEB-A849-B2AF-50AAE1FB511B}" type="presOf" srcId="{3CA3A262-78E2-46B9-86B9-EC5A18FB14DE}" destId="{957815F8-9C36-1140-BDB3-0407376DDA24}" srcOrd="0" destOrd="0" presId="urn:microsoft.com/office/officeart/2008/layout/LinedList"/>
     <dgm:cxn modelId="{B72B51E5-32C4-3648-ADD5-2B80FE381DE5}" type="presOf" srcId="{15F858BE-12F3-4653-B340-0B188B98203C}" destId="{7DAF90AF-7CE1-D044-AB67-E772D8B64C31}" srcOrd="0" destOrd="0" presId="urn:microsoft.com/office/officeart/2008/layout/LinedList"/>
+    <dgm:cxn modelId="{DA22B488-0463-414F-B875-46191CF8188F}" srcId="{64F98948-3320-4B7F-80FB-AB1137B5078B}" destId="{3CA3A262-78E2-46B9-86B9-EC5A18FB14DE}" srcOrd="2" destOrd="0" parTransId="{6BBE6B70-7535-4543-9D22-9A5FD3AA825E}" sibTransId="{B3A5339B-3B69-46DF-810A-B2517955555D}"/>
+    <dgm:cxn modelId="{449BF4EB-8EBD-894C-91D4-10983A9E9D7B}" type="presOf" srcId="{18935234-F39B-4F64-9D3E-ECC198090598}" destId="{6639C706-905D-3248-BE34-3BE36FC9DC61}" srcOrd="0" destOrd="0" presId="urn:microsoft.com/office/officeart/2008/layout/LinedList"/>
+    <dgm:cxn modelId="{91D2593C-7D74-43E8-BC24-122A9C83402E}" srcId="{64F98948-3320-4B7F-80FB-AB1137B5078B}" destId="{18935234-F39B-4F64-9D3E-ECC198090598}" srcOrd="1" destOrd="0" parTransId="{B6CB3CF8-E647-4BD2-92CD-1EEA584C5221}" sibTransId="{A80C0A60-9866-4750-AF50-82E6D30D27C4}"/>
     <dgm:cxn modelId="{A2308A67-38BB-F043-9E6E-F57CB5E4B561}" type="presOf" srcId="{64F98948-3320-4B7F-80FB-AB1137B5078B}" destId="{D7AA8D21-169A-7847-AE19-449AF2A0AB87}" srcOrd="0" destOrd="0" presId="urn:microsoft.com/office/officeart/2008/layout/LinedList"/>
-    <dgm:cxn modelId="{449BF4EB-8EBD-894C-91D4-10983A9E9D7B}" type="presOf" srcId="{18935234-F39B-4F64-9D3E-ECC198090598}" destId="{6639C706-905D-3248-BE34-3BE36FC9DC61}" srcOrd="0" destOrd="0" presId="urn:microsoft.com/office/officeart/2008/layout/LinedList"/>
     <dgm:cxn modelId="{DEBC30EA-F307-450A-9FE0-DE38E709B7C6}" srcId="{64F98948-3320-4B7F-80FB-AB1137B5078B}" destId="{15F858BE-12F3-4653-B340-0B188B98203C}" srcOrd="0" destOrd="0" parTransId="{A18FFBF8-8B7D-40D4-A330-31FF915469FD}" sibTransId="{BAF7F54C-54BB-4E32-A3BE-70FDDE1ACC7A}"/>
-    <dgm:cxn modelId="{91D2593C-7D74-43E8-BC24-122A9C83402E}" srcId="{64F98948-3320-4B7F-80FB-AB1137B5078B}" destId="{18935234-F39B-4F64-9D3E-ECC198090598}" srcOrd="1" destOrd="0" parTransId="{B6CB3CF8-E647-4BD2-92CD-1EEA584C5221}" sibTransId="{A80C0A60-9866-4750-AF50-82E6D30D27C4}"/>
-    <dgm:cxn modelId="{DA22B488-0463-414F-B875-46191CF8188F}" srcId="{64F98948-3320-4B7F-80FB-AB1137B5078B}" destId="{3CA3A262-78E2-46B9-86B9-EC5A18FB14DE}" srcOrd="2" destOrd="0" parTransId="{6BBE6B70-7535-4543-9D22-9A5FD3AA825E}" sibTransId="{B3A5339B-3B69-46DF-810A-B2517955555D}"/>
-    <dgm:cxn modelId="{CB779D4E-8EEB-A849-B2AF-50AAE1FB511B}" type="presOf" srcId="{3CA3A262-78E2-46B9-86B9-EC5A18FB14DE}" destId="{957815F8-9C36-1140-BDB3-0407376DDA24}" srcOrd="0" destOrd="0" presId="urn:microsoft.com/office/officeart/2008/layout/LinedList"/>
     <dgm:cxn modelId="{02EB7A7A-8DEE-E045-B8AF-A4CCD3A2734E}" type="presParOf" srcId="{D7AA8D21-169A-7847-AE19-449AF2A0AB87}" destId="{F9E147F5-92BE-3E41-87A0-D2DD515E3EFE}" srcOrd="0" destOrd="0" presId="urn:microsoft.com/office/officeart/2008/layout/LinedList"/>
     <dgm:cxn modelId="{122131D9-A3D0-D74B-B638-18DE07FF143D}" type="presParOf" srcId="{D7AA8D21-169A-7847-AE19-449AF2A0AB87}" destId="{F177C780-64AE-5942-AD6F-16F6F72EB1FC}" srcOrd="1" destOrd="0" presId="urn:microsoft.com/office/officeart/2008/layout/LinedList"/>
     <dgm:cxn modelId="{EDD7763F-C748-A045-94A5-CA8723A57E93}" type="presParOf" srcId="{F177C780-64AE-5942-AD6F-16F6F72EB1FC}" destId="{7DAF90AF-7CE1-D044-AB67-E772D8B64C31}" srcOrd="0" destOrd="0" presId="urn:microsoft.com/office/officeart/2008/layout/LinedList"/>
@@ -5022,13 +5022,13 @@
     </dgm:pt>
   </dgm:ptLst>
   <dgm:cxnLst>
+    <dgm:cxn modelId="{CB779D4E-8EEB-A849-B2AF-50AAE1FB511B}" type="presOf" srcId="{3CA3A262-78E2-46B9-86B9-EC5A18FB14DE}" destId="{957815F8-9C36-1140-BDB3-0407376DDA24}" srcOrd="0" destOrd="0" presId="urn:microsoft.com/office/officeart/2008/layout/LinedList"/>
+    <dgm:cxn modelId="{B72B51E5-32C4-3648-ADD5-2B80FE381DE5}" type="presOf" srcId="{15F858BE-12F3-4653-B340-0B188B98203C}" destId="{7DAF90AF-7CE1-D044-AB67-E772D8B64C31}" srcOrd="0" destOrd="0" presId="urn:microsoft.com/office/officeart/2008/layout/LinedList"/>
+    <dgm:cxn modelId="{DA22B488-0463-414F-B875-46191CF8188F}" srcId="{64F98948-3320-4B7F-80FB-AB1137B5078B}" destId="{3CA3A262-78E2-46B9-86B9-EC5A18FB14DE}" srcOrd="2" destOrd="0" parTransId="{6BBE6B70-7535-4543-9D22-9A5FD3AA825E}" sibTransId="{B3A5339B-3B69-46DF-810A-B2517955555D}"/>
+    <dgm:cxn modelId="{449BF4EB-8EBD-894C-91D4-10983A9E9D7B}" type="presOf" srcId="{18935234-F39B-4F64-9D3E-ECC198090598}" destId="{6639C706-905D-3248-BE34-3BE36FC9DC61}" srcOrd="0" destOrd="0" presId="urn:microsoft.com/office/officeart/2008/layout/LinedList"/>
+    <dgm:cxn modelId="{91D2593C-7D74-43E8-BC24-122A9C83402E}" srcId="{64F98948-3320-4B7F-80FB-AB1137B5078B}" destId="{18935234-F39B-4F64-9D3E-ECC198090598}" srcOrd="1" destOrd="0" parTransId="{B6CB3CF8-E647-4BD2-92CD-1EEA584C5221}" sibTransId="{A80C0A60-9866-4750-AF50-82E6D30D27C4}"/>
     <dgm:cxn modelId="{A2308A67-38BB-F043-9E6E-F57CB5E4B561}" type="presOf" srcId="{64F98948-3320-4B7F-80FB-AB1137B5078B}" destId="{D7AA8D21-169A-7847-AE19-449AF2A0AB87}" srcOrd="0" destOrd="0" presId="urn:microsoft.com/office/officeart/2008/layout/LinedList"/>
-    <dgm:cxn modelId="{DA22B488-0463-414F-B875-46191CF8188F}" srcId="{64F98948-3320-4B7F-80FB-AB1137B5078B}" destId="{3CA3A262-78E2-46B9-86B9-EC5A18FB14DE}" srcOrd="2" destOrd="0" parTransId="{6BBE6B70-7535-4543-9D22-9A5FD3AA825E}" sibTransId="{B3A5339B-3B69-46DF-810A-B2517955555D}"/>
     <dgm:cxn modelId="{DEBC30EA-F307-450A-9FE0-DE38E709B7C6}" srcId="{64F98948-3320-4B7F-80FB-AB1137B5078B}" destId="{15F858BE-12F3-4653-B340-0B188B98203C}" srcOrd="0" destOrd="0" parTransId="{A18FFBF8-8B7D-40D4-A330-31FF915469FD}" sibTransId="{BAF7F54C-54BB-4E32-A3BE-70FDDE1ACC7A}"/>
-    <dgm:cxn modelId="{B72B51E5-32C4-3648-ADD5-2B80FE381DE5}" type="presOf" srcId="{15F858BE-12F3-4653-B340-0B188B98203C}" destId="{7DAF90AF-7CE1-D044-AB67-E772D8B64C31}" srcOrd="0" destOrd="0" presId="urn:microsoft.com/office/officeart/2008/layout/LinedList"/>
-    <dgm:cxn modelId="{91D2593C-7D74-43E8-BC24-122A9C83402E}" srcId="{64F98948-3320-4B7F-80FB-AB1137B5078B}" destId="{18935234-F39B-4F64-9D3E-ECC198090598}" srcOrd="1" destOrd="0" parTransId="{B6CB3CF8-E647-4BD2-92CD-1EEA584C5221}" sibTransId="{A80C0A60-9866-4750-AF50-82E6D30D27C4}"/>
-    <dgm:cxn modelId="{CB779D4E-8EEB-A849-B2AF-50AAE1FB511B}" type="presOf" srcId="{3CA3A262-78E2-46B9-86B9-EC5A18FB14DE}" destId="{957815F8-9C36-1140-BDB3-0407376DDA24}" srcOrd="0" destOrd="0" presId="urn:microsoft.com/office/officeart/2008/layout/LinedList"/>
-    <dgm:cxn modelId="{449BF4EB-8EBD-894C-91D4-10983A9E9D7B}" type="presOf" srcId="{18935234-F39B-4F64-9D3E-ECC198090598}" destId="{6639C706-905D-3248-BE34-3BE36FC9DC61}" srcOrd="0" destOrd="0" presId="urn:microsoft.com/office/officeart/2008/layout/LinedList"/>
     <dgm:cxn modelId="{02EB7A7A-8DEE-E045-B8AF-A4CCD3A2734E}" type="presParOf" srcId="{D7AA8D21-169A-7847-AE19-449AF2A0AB87}" destId="{F9E147F5-92BE-3E41-87A0-D2DD515E3EFE}" srcOrd="0" destOrd="0" presId="urn:microsoft.com/office/officeart/2008/layout/LinedList"/>
     <dgm:cxn modelId="{122131D9-A3D0-D74B-B638-18DE07FF143D}" type="presParOf" srcId="{D7AA8D21-169A-7847-AE19-449AF2A0AB87}" destId="{F177C780-64AE-5942-AD6F-16F6F72EB1FC}" srcOrd="1" destOrd="0" presId="urn:microsoft.com/office/officeart/2008/layout/LinedList"/>
     <dgm:cxn modelId="{EDD7763F-C748-A045-94A5-CA8723A57E93}" type="presParOf" srcId="{F177C780-64AE-5942-AD6F-16F6F72EB1FC}" destId="{7DAF90AF-7CE1-D044-AB67-E772D8B64C31}" srcOrd="0" destOrd="0" presId="urn:microsoft.com/office/officeart/2008/layout/LinedList"/>
@@ -5370,13 +5370,13 @@
     </dgm:pt>
   </dgm:ptLst>
   <dgm:cxnLst>
+    <dgm:cxn modelId="{CB779D4E-8EEB-A849-B2AF-50AAE1FB511B}" type="presOf" srcId="{3CA3A262-78E2-46B9-86B9-EC5A18FB14DE}" destId="{957815F8-9C36-1140-BDB3-0407376DDA24}" srcOrd="0" destOrd="0" presId="urn:microsoft.com/office/officeart/2008/layout/LinedList"/>
+    <dgm:cxn modelId="{B72B51E5-32C4-3648-ADD5-2B80FE381DE5}" type="presOf" srcId="{15F858BE-12F3-4653-B340-0B188B98203C}" destId="{7DAF90AF-7CE1-D044-AB67-E772D8B64C31}" srcOrd="0" destOrd="0" presId="urn:microsoft.com/office/officeart/2008/layout/LinedList"/>
+    <dgm:cxn modelId="{DA22B488-0463-414F-B875-46191CF8188F}" srcId="{64F98948-3320-4B7F-80FB-AB1137B5078B}" destId="{3CA3A262-78E2-46B9-86B9-EC5A18FB14DE}" srcOrd="2" destOrd="0" parTransId="{6BBE6B70-7535-4543-9D22-9A5FD3AA825E}" sibTransId="{B3A5339B-3B69-46DF-810A-B2517955555D}"/>
+    <dgm:cxn modelId="{449BF4EB-8EBD-894C-91D4-10983A9E9D7B}" type="presOf" srcId="{18935234-F39B-4F64-9D3E-ECC198090598}" destId="{6639C706-905D-3248-BE34-3BE36FC9DC61}" srcOrd="0" destOrd="0" presId="urn:microsoft.com/office/officeart/2008/layout/LinedList"/>
+    <dgm:cxn modelId="{91D2593C-7D74-43E8-BC24-122A9C83402E}" srcId="{64F98948-3320-4B7F-80FB-AB1137B5078B}" destId="{18935234-F39B-4F64-9D3E-ECC198090598}" srcOrd="1" destOrd="0" parTransId="{B6CB3CF8-E647-4BD2-92CD-1EEA584C5221}" sibTransId="{A80C0A60-9866-4750-AF50-82E6D30D27C4}"/>
     <dgm:cxn modelId="{A2308A67-38BB-F043-9E6E-F57CB5E4B561}" type="presOf" srcId="{64F98948-3320-4B7F-80FB-AB1137B5078B}" destId="{D7AA8D21-169A-7847-AE19-449AF2A0AB87}" srcOrd="0" destOrd="0" presId="urn:microsoft.com/office/officeart/2008/layout/LinedList"/>
-    <dgm:cxn modelId="{DA22B488-0463-414F-B875-46191CF8188F}" srcId="{64F98948-3320-4B7F-80FB-AB1137B5078B}" destId="{3CA3A262-78E2-46B9-86B9-EC5A18FB14DE}" srcOrd="2" destOrd="0" parTransId="{6BBE6B70-7535-4543-9D22-9A5FD3AA825E}" sibTransId="{B3A5339B-3B69-46DF-810A-B2517955555D}"/>
     <dgm:cxn modelId="{DEBC30EA-F307-450A-9FE0-DE38E709B7C6}" srcId="{64F98948-3320-4B7F-80FB-AB1137B5078B}" destId="{15F858BE-12F3-4653-B340-0B188B98203C}" srcOrd="0" destOrd="0" parTransId="{A18FFBF8-8B7D-40D4-A330-31FF915469FD}" sibTransId="{BAF7F54C-54BB-4E32-A3BE-70FDDE1ACC7A}"/>
-    <dgm:cxn modelId="{B72B51E5-32C4-3648-ADD5-2B80FE381DE5}" type="presOf" srcId="{15F858BE-12F3-4653-B340-0B188B98203C}" destId="{7DAF90AF-7CE1-D044-AB67-E772D8B64C31}" srcOrd="0" destOrd="0" presId="urn:microsoft.com/office/officeart/2008/layout/LinedList"/>
-    <dgm:cxn modelId="{91D2593C-7D74-43E8-BC24-122A9C83402E}" srcId="{64F98948-3320-4B7F-80FB-AB1137B5078B}" destId="{18935234-F39B-4F64-9D3E-ECC198090598}" srcOrd="1" destOrd="0" parTransId="{B6CB3CF8-E647-4BD2-92CD-1EEA584C5221}" sibTransId="{A80C0A60-9866-4750-AF50-82E6D30D27C4}"/>
-    <dgm:cxn modelId="{CB779D4E-8EEB-A849-B2AF-50AAE1FB511B}" type="presOf" srcId="{3CA3A262-78E2-46B9-86B9-EC5A18FB14DE}" destId="{957815F8-9C36-1140-BDB3-0407376DDA24}" srcOrd="0" destOrd="0" presId="urn:microsoft.com/office/officeart/2008/layout/LinedList"/>
-    <dgm:cxn modelId="{449BF4EB-8EBD-894C-91D4-10983A9E9D7B}" type="presOf" srcId="{18935234-F39B-4F64-9D3E-ECC198090598}" destId="{6639C706-905D-3248-BE34-3BE36FC9DC61}" srcOrd="0" destOrd="0" presId="urn:microsoft.com/office/officeart/2008/layout/LinedList"/>
     <dgm:cxn modelId="{02EB7A7A-8DEE-E045-B8AF-A4CCD3A2734E}" type="presParOf" srcId="{D7AA8D21-169A-7847-AE19-449AF2A0AB87}" destId="{F9E147F5-92BE-3E41-87A0-D2DD515E3EFE}" srcOrd="0" destOrd="0" presId="urn:microsoft.com/office/officeart/2008/layout/LinedList"/>
     <dgm:cxn modelId="{122131D9-A3D0-D74B-B638-18DE07FF143D}" type="presParOf" srcId="{D7AA8D21-169A-7847-AE19-449AF2A0AB87}" destId="{F177C780-64AE-5942-AD6F-16F6F72EB1FC}" srcOrd="1" destOrd="0" presId="urn:microsoft.com/office/officeart/2008/layout/LinedList"/>
     <dgm:cxn modelId="{EDD7763F-C748-A045-94A5-CA8723A57E93}" type="presParOf" srcId="{F177C780-64AE-5942-AD6F-16F6F72EB1FC}" destId="{7DAF90AF-7CE1-D044-AB67-E772D8B64C31}" srcOrd="0" destOrd="0" presId="urn:microsoft.com/office/officeart/2008/layout/LinedList"/>
@@ -13574,7 +13574,7 @@
           <a:p>
             <a:fld id="{BB37BDEB-D08A-4BCC-82C3-65677B6346BB}" type="datetimeFigureOut">
               <a:rPr lang="en-US" smtClean="0"/>
-              <a:t>17-Mar-25</a:t>
+              <a:t>18-Mar-25</a:t>
             </a:fld>
             <a:endParaRPr lang="en-US"/>
           </a:p>
@@ -13751,7 +13751,7 @@
           <a:p>
             <a:fld id="{D64182BB-4E27-4552-8EE4-33C8EF731305}" type="datetimeFigureOut">
               <a:rPr lang="en-US" smtClean="0"/>
-              <a:t>17-Mar-25</a:t>
+              <a:t>18-Mar-25</a:t>
             </a:fld>
             <a:endParaRPr lang="en-US"/>
           </a:p>
@@ -14256,7 +14256,7 @@
           <a:p>
             <a:fld id="{ED291B17-9318-49DB-B28B-6E5994AE9581}" type="datetime1">
               <a:rPr lang="en-US" smtClean="0"/>
-              <a:t>17-Mar-25</a:t>
+              <a:t>18-Mar-25</a:t>
             </a:fld>
             <a:endParaRPr lang="en-US" dirty="0"/>
           </a:p>
@@ -14415,7 +14415,7 @@
           <a:p>
             <a:fld id="{4EDE50D6-574B-40AF-946F-D52A04ADE379}" type="datetime1">
               <a:rPr lang="en-US" smtClean="0"/>
-              <a:t>17-Mar-25</a:t>
+              <a:t>18-Mar-25</a:t>
             </a:fld>
             <a:endParaRPr lang="en-US" dirty="0"/>
           </a:p>
@@ -14827,7 +14827,7 @@
           <a:p>
             <a:fld id="{4EDE50D6-574B-40AF-946F-D52A04ADE379}" type="datetime1">
               <a:rPr lang="en-US" smtClean="0"/>
-              <a:t>17-Mar-25</a:t>
+              <a:t>18-Mar-25</a:t>
             </a:fld>
             <a:endParaRPr lang="en-US" dirty="0"/>
           </a:p>
@@ -15306,7 +15306,7 @@
           <a:p>
             <a:fld id="{4EDE50D6-574B-40AF-946F-D52A04ADE379}" type="datetime1">
               <a:rPr lang="en-US" smtClean="0"/>
-              <a:t>17-Mar-25</a:t>
+              <a:t>18-Mar-25</a:t>
             </a:fld>
             <a:endParaRPr lang="en-US" dirty="0"/>
           </a:p>
@@ -15756,7 +15756,7 @@
           <a:p>
             <a:fld id="{4EDE50D6-574B-40AF-946F-D52A04ADE379}" type="datetime1">
               <a:rPr lang="en-US" smtClean="0"/>
-              <a:t>17-Mar-25</a:t>
+              <a:t>18-Mar-25</a:t>
             </a:fld>
             <a:endParaRPr lang="en-US" dirty="0"/>
           </a:p>
@@ -15988,7 +15988,7 @@
           <a:p>
             <a:fld id="{4EDE50D6-574B-40AF-946F-D52A04ADE379}" type="datetime1">
               <a:rPr lang="en-US" noProof="0" smtClean="0"/>
-              <a:t>17-Mar-25</a:t>
+              <a:t>18-Mar-25</a:t>
             </a:fld>
             <a:endParaRPr lang="en-US" noProof="0"/>
           </a:p>
@@ -16687,7 +16687,7 @@
           <a:p>
             <a:fld id="{4EDE50D6-574B-40AF-946F-D52A04ADE379}" type="datetime1">
               <a:rPr lang="en-US" noProof="0" smtClean="0"/>
-              <a:t>17-Mar-25</a:t>
+              <a:t>18-Mar-25</a:t>
             </a:fld>
             <a:endParaRPr lang="en-US" noProof="0"/>
           </a:p>
@@ -17045,7 +17045,7 @@
           <a:p>
             <a:fld id="{4EDE50D6-574B-40AF-946F-D52A04ADE379}" type="datetime1">
               <a:rPr lang="en-US" noProof="0" smtClean="0"/>
-              <a:t>17-Mar-25</a:t>
+              <a:t>18-Mar-25</a:t>
             </a:fld>
             <a:endParaRPr lang="en-US" noProof="0"/>
           </a:p>
@@ -17609,7 +17609,7 @@
           <a:p>
             <a:fld id="{78DD82B9-B8EE-4375-B6FF-88FA6ABB15D9}" type="datetime1">
               <a:rPr lang="en-US" smtClean="0"/>
-              <a:t>17-Mar-25</a:t>
+              <a:t>18-Mar-25</a:t>
             </a:fld>
             <a:endParaRPr lang="en-US" dirty="0"/>
           </a:p>
@@ -17957,7 +17957,7 @@
           <a:p>
             <a:fld id="{78DD82B9-B8EE-4375-B6FF-88FA6ABB15D9}" type="datetime1">
               <a:rPr lang="en-US" smtClean="0"/>
-              <a:t>17-Mar-25</a:t>
+              <a:t>18-Mar-25</a:t>
             </a:fld>
             <a:endParaRPr lang="en-US" dirty="0"/>
           </a:p>
@@ -18360,7 +18360,7 @@
           <a:p>
             <a:fld id="{B2497495-0637-405E-AE64-5CC7506D51F5}" type="datetime1">
               <a:rPr lang="en-US" smtClean="0"/>
-              <a:t>17-Mar-25</a:t>
+              <a:t>18-Mar-25</a:t>
             </a:fld>
             <a:endParaRPr lang="en-US" dirty="0"/>
           </a:p>
@@ -18653,7 +18653,7 @@
           <a:p>
             <a:fld id="{7BFFD690-9426-415D-8B65-26881E07B2D4}" type="datetime1">
               <a:rPr lang="en-US" smtClean="0"/>
-              <a:t>17-Mar-25</a:t>
+              <a:t>18-Mar-25</a:t>
             </a:fld>
             <a:endParaRPr lang="en-US" dirty="0"/>
           </a:p>
@@ -19147,7 +19147,7 @@
           <a:p>
             <a:fld id="{04C4989A-474C-40DE-95B9-011C28B71673}" type="datetime1">
               <a:rPr lang="en-US" smtClean="0"/>
-              <a:t>17-Mar-25</a:t>
+              <a:t>18-Mar-25</a:t>
             </a:fld>
             <a:endParaRPr lang="en-US" dirty="0"/>
           </a:p>
@@ -19451,7 +19451,7 @@
           <a:p>
             <a:fld id="{5DB4ED54-5B5E-4A04-93D3-5772E3CE3818}" type="datetime1">
               <a:rPr lang="en-US" smtClean="0"/>
-              <a:t>17-Mar-25</a:t>
+              <a:t>18-Mar-25</a:t>
             </a:fld>
             <a:endParaRPr lang="en-US" dirty="0"/>
           </a:p>
@@ -19638,7 +19638,7 @@
           <a:p>
             <a:fld id="{4EDE50D6-574B-40AF-946F-D52A04ADE379}" type="datetime1">
               <a:rPr lang="en-US" smtClean="0"/>
-              <a:t>17-Mar-25</a:t>
+              <a:t>18-Mar-25</a:t>
             </a:fld>
             <a:endParaRPr lang="en-US" dirty="0"/>
           </a:p>
@@ -19850,7 +19850,7 @@
           <a:p>
             <a:fld id="{4EDE50D6-574B-40AF-946F-D52A04ADE379}" type="datetime1">
               <a:rPr lang="en-US" smtClean="0"/>
-              <a:t>17-Mar-25</a:t>
+              <a:t>18-Mar-25</a:t>
             </a:fld>
             <a:endParaRPr lang="en-US" dirty="0"/>
           </a:p>
@@ -20282,7 +20282,7 @@
           <a:p>
             <a:fld id="{ED291B17-9318-49DB-B28B-6E5994AE9581}" type="datetime1">
               <a:rPr lang="en-US" smtClean="0"/>
-              <a:t>17-Mar-25</a:t>
+              <a:t>18-Mar-25</a:t>
             </a:fld>
             <a:endParaRPr lang="en-US" dirty="0"/>
           </a:p>
@@ -22475,13 +22475,56 @@
         <p:spPr/>
         <p:txBody>
           <a:bodyPr>
-            <a:normAutofit fontScale="92500" lnSpcReduction="20000"/>
+            <a:normAutofit fontScale="77500" lnSpcReduction="20000"/>
           </a:bodyPr>
           <a:lstStyle/>
           <a:p>
             <a:r>
+              <a:rPr lang="en-US" dirty="0" smtClean="0"/>
+              <a:t>Coursera </a:t>
+            </a:r>
+            <a:r>
               <a:rPr lang="en-US" dirty="0"/>
-              <a:t>Bucket loading. . . (</a:t>
+              <a:t>| Online courses &amp; credentials from top educators. Join for free | </a:t>
+            </a:r>
+            <a:r>
+              <a:rPr lang="en-US" dirty="0" smtClean="0"/>
+              <a:t>Coursera. </a:t>
+            </a:r>
+            <a:r>
+              <a:rPr lang="en-US" dirty="0"/>
+              <a:t>(</a:t>
+            </a:r>
+            <a:r>
+              <a:rPr lang="en-US" dirty="0" err="1"/>
+              <a:t>n.d.</a:t>
+            </a:r>
+            <a:r>
+              <a:rPr lang="en-US" dirty="0"/>
+              <a:t>). Coursera. </a:t>
+            </a:r>
+            <a:r>
+              <a:rPr lang="en-US" dirty="0">
+                <a:hlinkClick r:id="rId2"/>
+              </a:rPr>
+              <a:t>https://</a:t>
+            </a:r>
+            <a:r>
+              <a:rPr lang="en-US" dirty="0" smtClean="0">
+                <a:hlinkClick r:id="rId2"/>
+              </a:rPr>
+              <a:t>www.coursera.org/learn/google-data-analytics-capstone/supplement/7PGIT/case-study-1-how-does-a-bike-share-navigate-speedy-success</a:t>
+            </a:r>
+            <a:endParaRPr lang="en-US" dirty="0"/>
+          </a:p>
+          <a:p>
+            <a:r>
+              <a:rPr lang="en-US" dirty="0" smtClean="0"/>
+              <a:t>Bucket </a:t>
+            </a:r>
+            <a:r>
+              <a:rPr lang="en-US" dirty="0"/>
+              <a:t>loading. . . (</a:t>
             </a:r>
             <a:r>
               <a:rPr lang="en-US" dirty="0" err="1"/>
@@ -22493,13 +22536,13 @@
             </a:r>
             <a:r>
               <a:rPr lang="en-US" dirty="0">
-                <a:hlinkClick r:id="rId2"/>
+                <a:hlinkClick r:id="rId3"/>
               </a:rPr>
               <a:t>https://</a:t>
             </a:r>
             <a:r>
               <a:rPr lang="en-US" dirty="0" smtClean="0">
-                <a:hlinkClick r:id="rId2"/>
+                <a:hlinkClick r:id="rId3"/>
               </a:rPr>
               <a:t>divvy-tripdata.s3.amazonaws.com/index.html</a:t>
             </a:r>
@@ -22526,13 +22569,13 @@
             </a:r>
             <a:r>
               <a:rPr lang="en-US" dirty="0">
-                <a:hlinkClick r:id="rId3"/>
+                <a:hlinkClick r:id="rId4"/>
               </a:rPr>
               <a:t>https://</a:t>
             </a:r>
             <a:r>
               <a:rPr lang="en-US" dirty="0" smtClean="0">
-                <a:hlinkClick r:id="rId3"/>
+                <a:hlinkClick r:id="rId4"/>
               </a:rPr>
               <a:t>rmarkdown.rstudio.com/authoring_basics.html</a:t>
             </a:r>
@@ -22561,13 +22604,13 @@
             </a:r>
             <a:r>
               <a:rPr lang="en-US" dirty="0">
-                <a:hlinkClick r:id="rId4"/>
+                <a:hlinkClick r:id="rId5"/>
               </a:rPr>
               <a:t>https://</a:t>
             </a:r>
             <a:r>
               <a:rPr lang="en-US" dirty="0" smtClean="0">
-                <a:hlinkClick r:id="rId4"/>
+                <a:hlinkClick r:id="rId5"/>
               </a:rPr>
               <a:t>cran.r-project.org/web/packages/viridis/vignettes/intro-to-viridis.html</a:t>
             </a:r>
@@ -22588,13 +22631,13 @@
             </a:r>
             <a:r>
               <a:rPr lang="en-US" dirty="0">
-                <a:hlinkClick r:id="rId5"/>
+                <a:hlinkClick r:id="rId6"/>
               </a:rPr>
               <a:t>https://</a:t>
             </a:r>
             <a:r>
               <a:rPr lang="en-US" dirty="0" smtClean="0">
-                <a:hlinkClick r:id="rId5"/>
+                <a:hlinkClick r:id="rId6"/>
               </a:rPr>
               <a:t>scc.ms.unimelb.edu.au/resources/tips-for-using-r/r-scripts</a:t>
             </a:r>
@@ -23508,15 +23551,7 @@
                             <a:schemeClr val="tx1"/>
                           </a:solidFill>
                         </a:rPr>
-                        <a:t>Removing </a:t>
-                      </a:r>
-                      <a:r>
-                        <a:rPr lang="en-US" sz="2000" b="0" cap="none" spc="0" dirty="0" smtClean="0">
-                          <a:solidFill>
-                            <a:schemeClr val="tx1"/>
-                          </a:solidFill>
-                        </a:rPr>
-                        <a:t>duplicates</a:t>
+                        <a:t>Removing duplicates</a:t>
                       </a:r>
                       <a:r>
                         <a:rPr lang="en-US" sz="2000" b="0" cap="none" spc="0" baseline="0" dirty="0" smtClean="0">
@@ -23704,11 +23739,7 @@
                       </a:pPr>
                       <a:r>
                         <a:rPr lang="en-US" sz="2000" b="0" cap="none" spc="0" dirty="0" smtClean="0"/>
-                        <a:t>Fixing </a:t>
-                      </a:r>
-                      <a:r>
-                        <a:rPr lang="en-US" sz="2000" b="0" cap="none" spc="0" dirty="0" smtClean="0"/>
-                        <a:t>data-types</a:t>
+                        <a:t>Fixing data-types</a:t>
                       </a:r>
                       <a:r>
                         <a:rPr lang="en-US" sz="2000" b="0" cap="none" spc="0" baseline="0" dirty="0" smtClean="0"/>
@@ -25113,12 +25144,12 @@
 </file>
 
 <file path=customXml/item1.xml><?xml version="1.0" encoding="utf-8"?>
-<?mso-contentType ?>
-<FormTemplates xmlns="http://schemas.microsoft.com/sharepoint/v3/contenttype/forms">
-  <Display>DocumentLibraryForm</Display>
-  <Edit>DocumentLibraryForm</Edit>
-  <New>DocumentLibraryForm</New>
-</FormTemplates>
+<p:properties xmlns:p="http://schemas.microsoft.com/office/2006/metadata/properties" xmlns:xsi="http://www.w3.org/2001/XMLSchema-instance" xmlns:pc="http://schemas.microsoft.com/office/infopath/2007/PartnerControls">
+  <documentManagement>
+    <Status xmlns="71af3243-3dd4-4a8d-8c0d-dd76da1f02a5">Not started</Status>
+    <MediaServiceKeyPoints xmlns="71af3243-3dd4-4a8d-8c0d-dd76da1f02a5" xsi:nil="true"/>
+  </documentManagement>
+</p:properties>
 </file>
 
 <file path=customXml/item2.xml><?xml version="1.0" encoding="utf-8"?>
@@ -25343,18 +25374,27 @@
 </file>
 
 <file path=customXml/item3.xml><?xml version="1.0" encoding="utf-8"?>
-<p:properties xmlns:p="http://schemas.microsoft.com/office/2006/metadata/properties" xmlns:xsi="http://www.w3.org/2001/XMLSchema-instance" xmlns:pc="http://schemas.microsoft.com/office/infopath/2007/PartnerControls">
-  <documentManagement>
-    <Status xmlns="71af3243-3dd4-4a8d-8c0d-dd76da1f02a5">Not started</Status>
-    <MediaServiceKeyPoints xmlns="71af3243-3dd4-4a8d-8c0d-dd76da1f02a5" xsi:nil="true"/>
-  </documentManagement>
-</p:properties>
+<?mso-contentType ?>
+<FormTemplates xmlns="http://schemas.microsoft.com/sharepoint/v3/contenttype/forms">
+  <Display>DocumentLibraryForm</Display>
+  <Edit>DocumentLibraryForm</Edit>
+  <New>DocumentLibraryForm</New>
+</FormTemplates>
 </file>
 
 <file path=customXml/itemProps1.xml><?xml version="1.0" encoding="utf-8"?>
-<ds:datastoreItem xmlns:ds="http://schemas.openxmlformats.org/officeDocument/2006/customXml" ds:itemID="{8435A0B9-5F49-415F-9BEE-591FDACE98D1}">
+<ds:datastoreItem xmlns:ds="http://schemas.openxmlformats.org/officeDocument/2006/customXml" ds:itemID="{ADC43B05-D266-4257-98DE-FF9D8CEDAE76}">
   <ds:schemaRefs>
-    <ds:schemaRef ds:uri="http://schemas.microsoft.com/sharepoint/v3/contenttype/forms"/>
+    <ds:schemaRef ds:uri="http://purl.org/dc/dcmitype/"/>
+    <ds:schemaRef ds:uri="16c05727-aa75-4e4a-9b5f-8a80a1165891"/>
+    <ds:schemaRef ds:uri="http://purl.org/dc/elements/1.1/"/>
+    <ds:schemaRef ds:uri="http://schemas.openxmlformats.org/package/2006/metadata/core-properties"/>
+    <ds:schemaRef ds:uri="http://schemas.microsoft.com/office/2006/documentManagement/types"/>
+    <ds:schemaRef ds:uri="71af3243-3dd4-4a8d-8c0d-dd76da1f02a5"/>
+    <ds:schemaRef ds:uri="http://purl.org/dc/terms/"/>
+    <ds:schemaRef ds:uri="http://schemas.microsoft.com/office/infopath/2007/PartnerControls"/>
+    <ds:schemaRef ds:uri="http://schemas.microsoft.com/office/2006/metadata/properties"/>
+    <ds:schemaRef ds:uri="http://www.w3.org/XML/1998/namespace"/>
   </ds:schemaRefs>
 </ds:datastoreItem>
 </file>
@@ -25379,18 +25419,9 @@
 </file>
 
 <file path=customXml/itemProps3.xml><?xml version="1.0" encoding="utf-8"?>
-<ds:datastoreItem xmlns:ds="http://schemas.openxmlformats.org/officeDocument/2006/customXml" ds:itemID="{ADC43B05-D266-4257-98DE-FF9D8CEDAE76}">
+<ds:datastoreItem xmlns:ds="http://schemas.openxmlformats.org/officeDocument/2006/customXml" ds:itemID="{8435A0B9-5F49-415F-9BEE-591FDACE98D1}">
   <ds:schemaRefs>
-    <ds:schemaRef ds:uri="http://purl.org/dc/dcmitype/"/>
-    <ds:schemaRef ds:uri="16c05727-aa75-4e4a-9b5f-8a80a1165891"/>
-    <ds:schemaRef ds:uri="http://purl.org/dc/elements/1.1/"/>
-    <ds:schemaRef ds:uri="http://schemas.openxmlformats.org/package/2006/metadata/core-properties"/>
-    <ds:schemaRef ds:uri="http://schemas.microsoft.com/office/2006/documentManagement/types"/>
-    <ds:schemaRef ds:uri="71af3243-3dd4-4a8d-8c0d-dd76da1f02a5"/>
-    <ds:schemaRef ds:uri="http://purl.org/dc/terms/"/>
-    <ds:schemaRef ds:uri="http://schemas.microsoft.com/office/infopath/2007/PartnerControls"/>
-    <ds:schemaRef ds:uri="http://schemas.microsoft.com/office/2006/metadata/properties"/>
-    <ds:schemaRef ds:uri="http://www.w3.org/XML/1998/namespace"/>
+    <ds:schemaRef ds:uri="http://schemas.microsoft.com/sharepoint/v3/contenttype/forms"/>
   </ds:schemaRefs>
 </ds:datastoreItem>
 </file>